--- a/Wave.pptx
+++ b/Wave.pptx
@@ -851,7 +851,7 @@
           <a:p>
             <a:fld id="{8755D0CF-FAB1-41D6-B251-7D3F6D9DA51C}" type="datetimeFigureOut">
               <a:rPr lang="en-US" smtClean="0"/>
-              <a:t>13-Nov-18</a:t>
+              <a:t>11/15/2018</a:t>
             </a:fld>
             <a:endParaRPr lang="en-US"/>
           </a:p>
@@ -1107,7 +1107,7 @@
           <a:p>
             <a:fld id="{8755D0CF-FAB1-41D6-B251-7D3F6D9DA51C}" type="datetimeFigureOut">
               <a:rPr lang="en-US" smtClean="0"/>
-              <a:t>13-Nov-18</a:t>
+              <a:t>11/15/2018</a:t>
             </a:fld>
             <a:endParaRPr lang="en-US"/>
           </a:p>
@@ -1421,7 +1421,7 @@
           <a:p>
             <a:fld id="{8755D0CF-FAB1-41D6-B251-7D3F6D9DA51C}" type="datetimeFigureOut">
               <a:rPr lang="en-US" smtClean="0"/>
-              <a:t>13-Nov-18</a:t>
+              <a:t>11/15/2018</a:t>
             </a:fld>
             <a:endParaRPr lang="en-US"/>
           </a:p>
@@ -1762,7 +1762,7 @@
           <a:p>
             <a:fld id="{8755D0CF-FAB1-41D6-B251-7D3F6D9DA51C}" type="datetimeFigureOut">
               <a:rPr lang="en-US" smtClean="0"/>
-              <a:t>13-Nov-18</a:t>
+              <a:t>11/15/2018</a:t>
             </a:fld>
             <a:endParaRPr lang="en-US"/>
           </a:p>
@@ -2076,7 +2076,7 @@
           <a:p>
             <a:fld id="{8755D0CF-FAB1-41D6-B251-7D3F6D9DA51C}" type="datetimeFigureOut">
               <a:rPr lang="en-US" smtClean="0"/>
-              <a:t>13-Nov-18</a:t>
+              <a:t>11/15/2018</a:t>
             </a:fld>
             <a:endParaRPr lang="en-US"/>
           </a:p>
@@ -2469,7 +2469,7 @@
           <a:p>
             <a:fld id="{8755D0CF-FAB1-41D6-B251-7D3F6D9DA51C}" type="datetimeFigureOut">
               <a:rPr lang="en-US" smtClean="0"/>
-              <a:t>13-Nov-18</a:t>
+              <a:t>11/15/2018</a:t>
             </a:fld>
             <a:endParaRPr lang="en-US"/>
           </a:p>
@@ -2639,7 +2639,7 @@
           <a:p>
             <a:fld id="{8755D0CF-FAB1-41D6-B251-7D3F6D9DA51C}" type="datetimeFigureOut">
               <a:rPr lang="en-US" smtClean="0"/>
-              <a:t>13-Nov-18</a:t>
+              <a:t>11/15/2018</a:t>
             </a:fld>
             <a:endParaRPr lang="en-US"/>
           </a:p>
@@ -2819,7 +2819,7 @@
           <a:p>
             <a:fld id="{8755D0CF-FAB1-41D6-B251-7D3F6D9DA51C}" type="datetimeFigureOut">
               <a:rPr lang="en-US" smtClean="0"/>
-              <a:t>13-Nov-18</a:t>
+              <a:t>11/15/2018</a:t>
             </a:fld>
             <a:endParaRPr lang="en-US"/>
           </a:p>
@@ -2995,7 +2995,7 @@
           <a:p>
             <a:fld id="{8755D0CF-FAB1-41D6-B251-7D3F6D9DA51C}" type="datetimeFigureOut">
               <a:rPr lang="en-US" smtClean="0"/>
-              <a:t>13-Nov-18</a:t>
+              <a:t>11/15/2018</a:t>
             </a:fld>
             <a:endParaRPr lang="en-US"/>
           </a:p>
@@ -3242,7 +3242,7 @@
           <a:p>
             <a:fld id="{8755D0CF-FAB1-41D6-B251-7D3F6D9DA51C}" type="datetimeFigureOut">
               <a:rPr lang="en-US" smtClean="0"/>
-              <a:t>13-Nov-18</a:t>
+              <a:t>11/15/2018</a:t>
             </a:fld>
             <a:endParaRPr lang="en-US"/>
           </a:p>
@@ -3474,7 +3474,7 @@
           <a:p>
             <a:fld id="{8755D0CF-FAB1-41D6-B251-7D3F6D9DA51C}" type="datetimeFigureOut">
               <a:rPr lang="en-US" smtClean="0"/>
-              <a:t>13-Nov-18</a:t>
+              <a:t>11/15/2018</a:t>
             </a:fld>
             <a:endParaRPr lang="en-US"/>
           </a:p>
@@ -3853,7 +3853,7 @@
           <a:p>
             <a:fld id="{8755D0CF-FAB1-41D6-B251-7D3F6D9DA51C}" type="datetimeFigureOut">
               <a:rPr lang="en-US" smtClean="0"/>
-              <a:t>13-Nov-18</a:t>
+              <a:t>11/15/2018</a:t>
             </a:fld>
             <a:endParaRPr lang="en-US"/>
           </a:p>
@@ -3981,7 +3981,7 @@
           <a:p>
             <a:fld id="{8755D0CF-FAB1-41D6-B251-7D3F6D9DA51C}" type="datetimeFigureOut">
               <a:rPr lang="en-US" smtClean="0"/>
-              <a:t>13-Nov-18</a:t>
+              <a:t>11/15/2018</a:t>
             </a:fld>
             <a:endParaRPr lang="en-US"/>
           </a:p>
@@ -4076,7 +4076,7 @@
           <a:p>
             <a:fld id="{8755D0CF-FAB1-41D6-B251-7D3F6D9DA51C}" type="datetimeFigureOut">
               <a:rPr lang="en-US" smtClean="0"/>
-              <a:t>13-Nov-18</a:t>
+              <a:t>11/15/2018</a:t>
             </a:fld>
             <a:endParaRPr lang="en-US"/>
           </a:p>
@@ -4336,7 +4336,7 @@
           <a:p>
             <a:fld id="{8755D0CF-FAB1-41D6-B251-7D3F6D9DA51C}" type="datetimeFigureOut">
               <a:rPr lang="en-US" smtClean="0"/>
-              <a:t>13-Nov-18</a:t>
+              <a:t>11/15/2018</a:t>
             </a:fld>
             <a:endParaRPr lang="en-US"/>
           </a:p>
@@ -4604,7 +4604,7 @@
           <a:p>
             <a:fld id="{8755D0CF-FAB1-41D6-B251-7D3F6D9DA51C}" type="datetimeFigureOut">
               <a:rPr lang="en-US" smtClean="0"/>
-              <a:t>13-Nov-18</a:t>
+              <a:t>11/15/2018</a:t>
             </a:fld>
             <a:endParaRPr lang="en-US"/>
           </a:p>
@@ -5347,7 +5347,7 @@
           <a:p>
             <a:fld id="{8755D0CF-FAB1-41D6-B251-7D3F6D9DA51C}" type="datetimeFigureOut">
               <a:rPr lang="en-US" smtClean="0"/>
-              <a:t>13-Nov-18</a:t>
+              <a:t>11/15/2018</a:t>
             </a:fld>
             <a:endParaRPr lang="en-US"/>
           </a:p>
@@ -5892,7 +5892,12 @@
             <p:ph type="title"/>
           </p:nvPr>
         </p:nvSpPr>
-        <p:spPr/>
+        <p:spPr>
+          <a:xfrm>
+            <a:off x="1544600" y="548180"/>
+            <a:ext cx="8596668" cy="1320800"/>
+          </a:xfrm>
+        </p:spPr>
         <p:txBody>
           <a:bodyPr>
             <a:normAutofit fontScale="90000"/>
@@ -5901,7 +5906,7 @@
           <a:p>
             <a:r>
               <a:rPr lang="en-US" dirty="0"/>
-              <a:t>WAVE : A Decentralized Authorization System for IoT via Blockchain Smart Contracts </a:t>
+              <a:t>WAVE : A Decentralized Authorization System for IoT via Blockchain Smart Contracts  </a:t>
             </a:r>
           </a:p>
         </p:txBody>
